--- a/layout/Modelo layout tipo Grau.pptx
+++ b/layout/Modelo layout tipo Grau.pptx
@@ -6,6 +6,7 @@
   </p:sldMasterIdLst>
   <p:sldIdLst>
     <p:sldId id="256" r:id="rId2"/>
+    <p:sldId id="257" r:id="rId3"/>
   </p:sldIdLst>
   <p:sldSz cx="12382500" cy="9525000"/>
   <p:notesSz cx="6858000" cy="9144000"/>
@@ -243,7 +244,7 @@
           <a:p>
             <a:fld id="{86A94FED-2C35-495D-9716-D20DC0AF5B1D}" type="datetimeFigureOut">
               <a:rPr lang="pt-BR" smtClean="0"/>
-              <a:t>16/04/2024</a:t>
+              <a:t>12/08/2025</a:t>
             </a:fld>
             <a:endParaRPr lang="pt-BR"/>
           </a:p>
@@ -413,7 +414,7 @@
           <a:p>
             <a:fld id="{86A94FED-2C35-495D-9716-D20DC0AF5B1D}" type="datetimeFigureOut">
               <a:rPr lang="pt-BR" smtClean="0"/>
-              <a:t>16/04/2024</a:t>
+              <a:t>12/08/2025</a:t>
             </a:fld>
             <a:endParaRPr lang="pt-BR"/>
           </a:p>
@@ -593,7 +594,7 @@
           <a:p>
             <a:fld id="{86A94FED-2C35-495D-9716-D20DC0AF5B1D}" type="datetimeFigureOut">
               <a:rPr lang="pt-BR" smtClean="0"/>
-              <a:t>16/04/2024</a:t>
+              <a:t>12/08/2025</a:t>
             </a:fld>
             <a:endParaRPr lang="pt-BR"/>
           </a:p>
@@ -763,7 +764,7 @@
           <a:p>
             <a:fld id="{86A94FED-2C35-495D-9716-D20DC0AF5B1D}" type="datetimeFigureOut">
               <a:rPr lang="pt-BR" smtClean="0"/>
-              <a:t>16/04/2024</a:t>
+              <a:t>12/08/2025</a:t>
             </a:fld>
             <a:endParaRPr lang="pt-BR"/>
           </a:p>
@@ -1007,7 +1008,7 @@
           <a:p>
             <a:fld id="{86A94FED-2C35-495D-9716-D20DC0AF5B1D}" type="datetimeFigureOut">
               <a:rPr lang="pt-BR" smtClean="0"/>
-              <a:t>16/04/2024</a:t>
+              <a:t>12/08/2025</a:t>
             </a:fld>
             <a:endParaRPr lang="pt-BR"/>
           </a:p>
@@ -1239,7 +1240,7 @@
           <a:p>
             <a:fld id="{86A94FED-2C35-495D-9716-D20DC0AF5B1D}" type="datetimeFigureOut">
               <a:rPr lang="pt-BR" smtClean="0"/>
-              <a:t>16/04/2024</a:t>
+              <a:t>12/08/2025</a:t>
             </a:fld>
             <a:endParaRPr lang="pt-BR"/>
           </a:p>
@@ -1606,7 +1607,7 @@
           <a:p>
             <a:fld id="{86A94FED-2C35-495D-9716-D20DC0AF5B1D}" type="datetimeFigureOut">
               <a:rPr lang="pt-BR" smtClean="0"/>
-              <a:t>16/04/2024</a:t>
+              <a:t>12/08/2025</a:t>
             </a:fld>
             <a:endParaRPr lang="pt-BR"/>
           </a:p>
@@ -1724,7 +1725,7 @@
           <a:p>
             <a:fld id="{86A94FED-2C35-495D-9716-D20DC0AF5B1D}" type="datetimeFigureOut">
               <a:rPr lang="pt-BR" smtClean="0"/>
-              <a:t>16/04/2024</a:t>
+              <a:t>12/08/2025</a:t>
             </a:fld>
             <a:endParaRPr lang="pt-BR"/>
           </a:p>
@@ -1819,7 +1820,7 @@
           <a:p>
             <a:fld id="{86A94FED-2C35-495D-9716-D20DC0AF5B1D}" type="datetimeFigureOut">
               <a:rPr lang="pt-BR" smtClean="0"/>
-              <a:t>16/04/2024</a:t>
+              <a:t>12/08/2025</a:t>
             </a:fld>
             <a:endParaRPr lang="pt-BR"/>
           </a:p>
@@ -2096,7 +2097,7 @@
           <a:p>
             <a:fld id="{86A94FED-2C35-495D-9716-D20DC0AF5B1D}" type="datetimeFigureOut">
               <a:rPr lang="pt-BR" smtClean="0"/>
-              <a:t>16/04/2024</a:t>
+              <a:t>12/08/2025</a:t>
             </a:fld>
             <a:endParaRPr lang="pt-BR"/>
           </a:p>
@@ -2353,7 +2354,7 @@
           <a:p>
             <a:fld id="{86A94FED-2C35-495D-9716-D20DC0AF5B1D}" type="datetimeFigureOut">
               <a:rPr lang="pt-BR" smtClean="0"/>
-              <a:t>16/04/2024</a:t>
+              <a:t>12/08/2025</a:t>
             </a:fld>
             <a:endParaRPr lang="pt-BR"/>
           </a:p>
@@ -2566,7 +2567,7 @@
           <a:p>
             <a:fld id="{86A94FED-2C35-495D-9716-D20DC0AF5B1D}" type="datetimeFigureOut">
               <a:rPr lang="pt-BR" smtClean="0"/>
-              <a:t>16/04/2024</a:t>
+              <a:t>12/08/2025</a:t>
             </a:fld>
             <a:endParaRPr lang="pt-BR"/>
           </a:p>
@@ -2971,12 +2972,1167 @@
           <a:chExt cx="0" cy="0"/>
         </a:xfrm>
       </p:grpSpPr>
+      <p:sp>
+        <p:nvSpPr>
+          <p:cNvPr id="8" name="Retângulo: Cantos Arredondados 7">
+            <a:extLst>
+              <a:ext uri="{FF2B5EF4-FFF2-40B4-BE49-F238E27FC236}">
+                <a16:creationId xmlns:a16="http://schemas.microsoft.com/office/drawing/2014/main" id="{A5743FF6-52B8-DF22-7468-C44F801CF777}"/>
+              </a:ext>
+            </a:extLst>
+          </p:cNvPr>
+          <p:cNvSpPr/>
+          <p:nvPr/>
+        </p:nvSpPr>
+        <p:spPr>
+          <a:xfrm>
+            <a:off x="152729" y="2701880"/>
+            <a:ext cx="1112109" cy="514350"/>
+          </a:xfrm>
+          <a:prstGeom prst="roundRect">
+            <a:avLst/>
+          </a:prstGeom>
+          <a:ln/>
+          <a:effectLst>
+            <a:outerShdw blurRad="50800" dist="38100" dir="2700000" algn="tl" rotWithShape="0">
+              <a:prstClr val="black">
+                <a:alpha val="40000"/>
+              </a:prstClr>
+            </a:outerShdw>
+          </a:effectLst>
+        </p:spPr>
+        <p:style>
+          <a:lnRef idx="1">
+            <a:schemeClr val="accent5"/>
+          </a:lnRef>
+          <a:fillRef idx="2">
+            <a:schemeClr val="accent5"/>
+          </a:fillRef>
+          <a:effectRef idx="1">
+            <a:schemeClr val="accent5"/>
+          </a:effectRef>
+          <a:fontRef idx="minor">
+            <a:schemeClr val="dk1"/>
+          </a:fontRef>
+        </p:style>
+        <p:txBody>
+          <a:bodyPr rtlCol="0" anchor="ctr"/>
+          <a:lstStyle/>
+          <a:p>
+            <a:pPr algn="ctr"/>
+            <a:endParaRPr lang="pt-BR"/>
+          </a:p>
+        </p:txBody>
+      </p:sp>
+      <p:sp>
+        <p:nvSpPr>
+          <p:cNvPr id="9" name="Retângulo: Cantos Arredondados 8">
+            <a:extLst>
+              <a:ext uri="{FF2B5EF4-FFF2-40B4-BE49-F238E27FC236}">
+                <a16:creationId xmlns:a16="http://schemas.microsoft.com/office/drawing/2014/main" id="{28F78B5F-1A7E-A98F-665E-814ABC9B77B7}"/>
+              </a:ext>
+            </a:extLst>
+          </p:cNvPr>
+          <p:cNvSpPr/>
+          <p:nvPr/>
+        </p:nvSpPr>
+        <p:spPr>
+          <a:xfrm>
+            <a:off x="152729" y="3376106"/>
+            <a:ext cx="1112109" cy="514350"/>
+          </a:xfrm>
+          <a:prstGeom prst="roundRect">
+            <a:avLst/>
+          </a:prstGeom>
+          <a:ln/>
+          <a:effectLst>
+            <a:outerShdw blurRad="50800" dist="38100" dir="2700000" algn="tl" rotWithShape="0">
+              <a:prstClr val="black">
+                <a:alpha val="40000"/>
+              </a:prstClr>
+            </a:outerShdw>
+          </a:effectLst>
+        </p:spPr>
+        <p:style>
+          <a:lnRef idx="1">
+            <a:schemeClr val="accent5"/>
+          </a:lnRef>
+          <a:fillRef idx="2">
+            <a:schemeClr val="accent5"/>
+          </a:fillRef>
+          <a:effectRef idx="1">
+            <a:schemeClr val="accent5"/>
+          </a:effectRef>
+          <a:fontRef idx="minor">
+            <a:schemeClr val="dk1"/>
+          </a:fontRef>
+        </p:style>
+        <p:txBody>
+          <a:bodyPr rtlCol="0" anchor="ctr"/>
+          <a:lstStyle/>
+          <a:p>
+            <a:pPr algn="ctr"/>
+            <a:endParaRPr lang="pt-BR"/>
+          </a:p>
+        </p:txBody>
+      </p:sp>
+      <p:sp>
+        <p:nvSpPr>
+          <p:cNvPr id="10" name="Retângulo: Cantos Arredondados 9">
+            <a:extLst>
+              <a:ext uri="{FF2B5EF4-FFF2-40B4-BE49-F238E27FC236}">
+                <a16:creationId xmlns:a16="http://schemas.microsoft.com/office/drawing/2014/main" id="{6CE0C088-7327-1534-50D2-BE616463C996}"/>
+              </a:ext>
+            </a:extLst>
+          </p:cNvPr>
+          <p:cNvSpPr/>
+          <p:nvPr/>
+        </p:nvSpPr>
+        <p:spPr>
+          <a:xfrm>
+            <a:off x="152729" y="4713851"/>
+            <a:ext cx="1112109" cy="514350"/>
+          </a:xfrm>
+          <a:prstGeom prst="roundRect">
+            <a:avLst/>
+          </a:prstGeom>
+          <a:ln/>
+          <a:effectLst>
+            <a:outerShdw blurRad="50800" dist="38100" dir="2700000" algn="tl" rotWithShape="0">
+              <a:prstClr val="black">
+                <a:alpha val="40000"/>
+              </a:prstClr>
+            </a:outerShdw>
+          </a:effectLst>
+        </p:spPr>
+        <p:style>
+          <a:lnRef idx="1">
+            <a:schemeClr val="accent5"/>
+          </a:lnRef>
+          <a:fillRef idx="2">
+            <a:schemeClr val="accent5"/>
+          </a:fillRef>
+          <a:effectRef idx="1">
+            <a:schemeClr val="accent5"/>
+          </a:effectRef>
+          <a:fontRef idx="minor">
+            <a:schemeClr val="dk1"/>
+          </a:fontRef>
+        </p:style>
+        <p:txBody>
+          <a:bodyPr rtlCol="0" anchor="ctr"/>
+          <a:lstStyle/>
+          <a:p>
+            <a:pPr algn="ctr"/>
+            <a:endParaRPr lang="pt-BR"/>
+          </a:p>
+        </p:txBody>
+      </p:sp>
+      <p:sp>
+        <p:nvSpPr>
+          <p:cNvPr id="11" name="Retângulo: Cantos Arredondados 10">
+            <a:extLst>
+              <a:ext uri="{FF2B5EF4-FFF2-40B4-BE49-F238E27FC236}">
+                <a16:creationId xmlns:a16="http://schemas.microsoft.com/office/drawing/2014/main" id="{F11CBFC4-9274-EF5C-1A99-6E2B0EFC4619}"/>
+              </a:ext>
+            </a:extLst>
+          </p:cNvPr>
+          <p:cNvSpPr/>
+          <p:nvPr/>
+        </p:nvSpPr>
+        <p:spPr>
+          <a:xfrm>
+            <a:off x="152729" y="4039625"/>
+            <a:ext cx="1112109" cy="514350"/>
+          </a:xfrm>
+          <a:prstGeom prst="roundRect">
+            <a:avLst/>
+          </a:prstGeom>
+          <a:ln/>
+          <a:effectLst>
+            <a:outerShdw blurRad="50800" dist="38100" dir="2700000" algn="tl" rotWithShape="0">
+              <a:prstClr val="black">
+                <a:alpha val="40000"/>
+              </a:prstClr>
+            </a:outerShdw>
+          </a:effectLst>
+        </p:spPr>
+        <p:style>
+          <a:lnRef idx="1">
+            <a:schemeClr val="accent5"/>
+          </a:lnRef>
+          <a:fillRef idx="2">
+            <a:schemeClr val="accent5"/>
+          </a:fillRef>
+          <a:effectRef idx="1">
+            <a:schemeClr val="accent5"/>
+          </a:effectRef>
+          <a:fontRef idx="minor">
+            <a:schemeClr val="dk1"/>
+          </a:fontRef>
+        </p:style>
+        <p:txBody>
+          <a:bodyPr rtlCol="0" anchor="ctr"/>
+          <a:lstStyle/>
+          <a:p>
+            <a:pPr algn="ctr"/>
+            <a:endParaRPr lang="pt-BR" dirty="0"/>
+          </a:p>
+        </p:txBody>
+      </p:sp>
+      <p:sp>
+        <p:nvSpPr>
+          <p:cNvPr id="12" name="Retângulo: Cantos Arredondados 11">
+            <a:extLst>
+              <a:ext uri="{FF2B5EF4-FFF2-40B4-BE49-F238E27FC236}">
+                <a16:creationId xmlns:a16="http://schemas.microsoft.com/office/drawing/2014/main" id="{01BD7CC7-7C18-657C-448E-A51AC6B1EE09}"/>
+              </a:ext>
+            </a:extLst>
+          </p:cNvPr>
+          <p:cNvSpPr/>
+          <p:nvPr/>
+        </p:nvSpPr>
+        <p:spPr>
+          <a:xfrm>
+            <a:off x="136914" y="2042195"/>
+            <a:ext cx="1112109" cy="447675"/>
+          </a:xfrm>
+          <a:prstGeom prst="roundRect">
+            <a:avLst/>
+          </a:prstGeom>
+          <a:ln/>
+          <a:effectLst>
+            <a:outerShdw blurRad="50800" dist="38100" dir="2700000" algn="tl" rotWithShape="0">
+              <a:prstClr val="black">
+                <a:alpha val="40000"/>
+              </a:prstClr>
+            </a:outerShdw>
+          </a:effectLst>
+        </p:spPr>
+        <p:style>
+          <a:lnRef idx="1">
+            <a:schemeClr val="accent5"/>
+          </a:lnRef>
+          <a:fillRef idx="2">
+            <a:schemeClr val="accent5"/>
+          </a:fillRef>
+          <a:effectRef idx="1">
+            <a:schemeClr val="accent5"/>
+          </a:effectRef>
+          <a:fontRef idx="minor">
+            <a:schemeClr val="dk1"/>
+          </a:fontRef>
+        </p:style>
+        <p:txBody>
+          <a:bodyPr rtlCol="0" anchor="ctr"/>
+          <a:lstStyle/>
+          <a:p>
+            <a:pPr algn="ctr"/>
+            <a:endParaRPr lang="pt-BR" dirty="0"/>
+          </a:p>
+        </p:txBody>
+      </p:sp>
+      <p:sp>
+        <p:nvSpPr>
+          <p:cNvPr id="13" name="Retângulo: Cantos Arredondados 12">
+            <a:extLst>
+              <a:ext uri="{FF2B5EF4-FFF2-40B4-BE49-F238E27FC236}">
+                <a16:creationId xmlns:a16="http://schemas.microsoft.com/office/drawing/2014/main" id="{EC23B424-7F9A-89C1-CCA1-3E30A950EEA6}"/>
+              </a:ext>
+            </a:extLst>
+          </p:cNvPr>
+          <p:cNvSpPr/>
+          <p:nvPr/>
+        </p:nvSpPr>
+        <p:spPr>
+          <a:xfrm>
+            <a:off x="83038" y="147504"/>
+            <a:ext cx="1809750" cy="1714500"/>
+          </a:xfrm>
+          <a:prstGeom prst="roundRect">
+            <a:avLst/>
+          </a:prstGeom>
+          <a:ln/>
+          <a:effectLst>
+            <a:outerShdw blurRad="50800" dist="38100" dir="2700000" algn="tl" rotWithShape="0">
+              <a:prstClr val="black">
+                <a:alpha val="40000"/>
+              </a:prstClr>
+            </a:outerShdw>
+          </a:effectLst>
+        </p:spPr>
+        <p:style>
+          <a:lnRef idx="1">
+            <a:schemeClr val="accent5"/>
+          </a:lnRef>
+          <a:fillRef idx="2">
+            <a:schemeClr val="accent5"/>
+          </a:fillRef>
+          <a:effectRef idx="1">
+            <a:schemeClr val="accent5"/>
+          </a:effectRef>
+          <a:fontRef idx="minor">
+            <a:schemeClr val="dk1"/>
+          </a:fontRef>
+        </p:style>
+        <p:txBody>
+          <a:bodyPr rtlCol="0" anchor="ctr"/>
+          <a:lstStyle/>
+          <a:p>
+            <a:pPr algn="ctr"/>
+            <a:endParaRPr lang="pt-BR" dirty="0"/>
+          </a:p>
+        </p:txBody>
+      </p:sp>
+      <p:sp>
+        <p:nvSpPr>
+          <p:cNvPr id="16" name="Retângulo: Cantos Arredondados 15">
+            <a:extLst>
+              <a:ext uri="{FF2B5EF4-FFF2-40B4-BE49-F238E27FC236}">
+                <a16:creationId xmlns:a16="http://schemas.microsoft.com/office/drawing/2014/main" id="{61BDC0B3-18EC-877F-F524-3FAB0FC786CA}"/>
+              </a:ext>
+            </a:extLst>
+          </p:cNvPr>
+          <p:cNvSpPr/>
+          <p:nvPr/>
+        </p:nvSpPr>
+        <p:spPr>
+          <a:xfrm>
+            <a:off x="91441" y="68313"/>
+            <a:ext cx="1714500" cy="1714500"/>
+          </a:xfrm>
+          <a:prstGeom prst="roundRect">
+            <a:avLst/>
+          </a:prstGeom>
+          <a:solidFill>
+            <a:srgbClr val="A1C0E5"/>
+          </a:solidFill>
+          <a:ln/>
+          <a:effectLst>
+            <a:outerShdw blurRad="50800" dist="38100" dir="2700000" algn="tl" rotWithShape="0">
+              <a:prstClr val="black">
+                <a:alpha val="40000"/>
+              </a:prstClr>
+            </a:outerShdw>
+          </a:effectLst>
+        </p:spPr>
+        <p:style>
+          <a:lnRef idx="1">
+            <a:schemeClr val="accent5"/>
+          </a:lnRef>
+          <a:fillRef idx="2">
+            <a:schemeClr val="accent5"/>
+          </a:fillRef>
+          <a:effectRef idx="1">
+            <a:schemeClr val="accent5"/>
+          </a:effectRef>
+          <a:fontRef idx="minor">
+            <a:schemeClr val="dk1"/>
+          </a:fontRef>
+        </p:style>
+        <p:txBody>
+          <a:bodyPr rtlCol="0" anchor="ctr"/>
+          <a:lstStyle/>
+          <a:p>
+            <a:pPr algn="ctr"/>
+            <a:endParaRPr lang="pt-BR" dirty="0"/>
+          </a:p>
+        </p:txBody>
+      </p:sp>
+      <p:sp>
+        <p:nvSpPr>
+          <p:cNvPr id="17" name="Retângulo: Cantos Arredondados 16">
+            <a:extLst>
+              <a:ext uri="{FF2B5EF4-FFF2-40B4-BE49-F238E27FC236}">
+                <a16:creationId xmlns:a16="http://schemas.microsoft.com/office/drawing/2014/main" id="{21FE3064-08A4-AEF6-2DC6-16DD49893346}"/>
+              </a:ext>
+            </a:extLst>
+          </p:cNvPr>
+          <p:cNvSpPr/>
+          <p:nvPr/>
+        </p:nvSpPr>
+        <p:spPr>
+          <a:xfrm>
+            <a:off x="80259" y="1878183"/>
+            <a:ext cx="1101600" cy="360000"/>
+          </a:xfrm>
+          <a:prstGeom prst="roundRect">
+            <a:avLst/>
+          </a:prstGeom>
+          <a:ln/>
+          <a:effectLst>
+            <a:outerShdw blurRad="50800" dist="38100" dir="2700000" algn="tl" rotWithShape="0">
+              <a:prstClr val="black">
+                <a:alpha val="40000"/>
+              </a:prstClr>
+            </a:outerShdw>
+          </a:effectLst>
+        </p:spPr>
+        <p:style>
+          <a:lnRef idx="1">
+            <a:schemeClr val="accent5"/>
+          </a:lnRef>
+          <a:fillRef idx="2">
+            <a:schemeClr val="accent5"/>
+          </a:fillRef>
+          <a:effectRef idx="1">
+            <a:schemeClr val="accent5"/>
+          </a:effectRef>
+          <a:fontRef idx="minor">
+            <a:schemeClr val="dk1"/>
+          </a:fontRef>
+        </p:style>
+        <p:txBody>
+          <a:bodyPr rtlCol="0" anchor="ctr"/>
+          <a:lstStyle/>
+          <a:p>
+            <a:pPr algn="ctr"/>
+            <a:endParaRPr lang="pt-BR" dirty="0"/>
+          </a:p>
+        </p:txBody>
+      </p:sp>
+      <p:sp>
+        <p:nvSpPr>
+          <p:cNvPr id="22" name="Retângulo: Cantos Arredondados 21">
+            <a:extLst>
+              <a:ext uri="{FF2B5EF4-FFF2-40B4-BE49-F238E27FC236}">
+                <a16:creationId xmlns:a16="http://schemas.microsoft.com/office/drawing/2014/main" id="{D205EFBA-5997-6510-050B-F4D795087F5B}"/>
+              </a:ext>
+            </a:extLst>
+          </p:cNvPr>
+          <p:cNvSpPr/>
+          <p:nvPr/>
+        </p:nvSpPr>
+        <p:spPr>
+          <a:xfrm>
+            <a:off x="80259" y="2311063"/>
+            <a:ext cx="1101600" cy="360000"/>
+          </a:xfrm>
+          <a:prstGeom prst="roundRect">
+            <a:avLst/>
+          </a:prstGeom>
+          <a:ln/>
+          <a:effectLst>
+            <a:outerShdw blurRad="50800" dist="38100" dir="2700000" algn="tl" rotWithShape="0">
+              <a:prstClr val="black">
+                <a:alpha val="40000"/>
+              </a:prstClr>
+            </a:outerShdw>
+          </a:effectLst>
+        </p:spPr>
+        <p:style>
+          <a:lnRef idx="1">
+            <a:schemeClr val="accent5"/>
+          </a:lnRef>
+          <a:fillRef idx="2">
+            <a:schemeClr val="accent5"/>
+          </a:fillRef>
+          <a:effectRef idx="1">
+            <a:schemeClr val="accent5"/>
+          </a:effectRef>
+          <a:fontRef idx="minor">
+            <a:schemeClr val="dk1"/>
+          </a:fontRef>
+        </p:style>
+        <p:txBody>
+          <a:bodyPr rtlCol="0" anchor="ctr"/>
+          <a:lstStyle/>
+          <a:p>
+            <a:pPr algn="ctr"/>
+            <a:endParaRPr lang="pt-BR" dirty="0"/>
+          </a:p>
+        </p:txBody>
+      </p:sp>
+      <p:sp>
+        <p:nvSpPr>
+          <p:cNvPr id="23" name="Retângulo: Cantos Arredondados 22">
+            <a:extLst>
+              <a:ext uri="{FF2B5EF4-FFF2-40B4-BE49-F238E27FC236}">
+                <a16:creationId xmlns:a16="http://schemas.microsoft.com/office/drawing/2014/main" id="{BA91A2B6-5499-68ED-E2FE-5F3C980353CE}"/>
+              </a:ext>
+            </a:extLst>
+          </p:cNvPr>
+          <p:cNvSpPr/>
+          <p:nvPr/>
+        </p:nvSpPr>
+        <p:spPr>
+          <a:xfrm>
+            <a:off x="73922" y="2785503"/>
+            <a:ext cx="1101600" cy="360000"/>
+          </a:xfrm>
+          <a:prstGeom prst="roundRect">
+            <a:avLst/>
+          </a:prstGeom>
+          <a:ln/>
+          <a:effectLst>
+            <a:outerShdw blurRad="50800" dist="38100" dir="2700000" algn="tl" rotWithShape="0">
+              <a:prstClr val="black">
+                <a:alpha val="40000"/>
+              </a:prstClr>
+            </a:outerShdw>
+          </a:effectLst>
+        </p:spPr>
+        <p:style>
+          <a:lnRef idx="1">
+            <a:schemeClr val="accent5"/>
+          </a:lnRef>
+          <a:fillRef idx="2">
+            <a:schemeClr val="accent5"/>
+          </a:fillRef>
+          <a:effectRef idx="1">
+            <a:schemeClr val="accent5"/>
+          </a:effectRef>
+          <a:fontRef idx="minor">
+            <a:schemeClr val="dk1"/>
+          </a:fontRef>
+        </p:style>
+        <p:txBody>
+          <a:bodyPr rtlCol="0" anchor="ctr"/>
+          <a:lstStyle/>
+          <a:p>
+            <a:pPr algn="ctr"/>
+            <a:endParaRPr lang="pt-BR" dirty="0"/>
+          </a:p>
+        </p:txBody>
+      </p:sp>
+      <p:sp>
+        <p:nvSpPr>
+          <p:cNvPr id="24" name="Retângulo: Cantos Arredondados 23">
+            <a:extLst>
+              <a:ext uri="{FF2B5EF4-FFF2-40B4-BE49-F238E27FC236}">
+                <a16:creationId xmlns:a16="http://schemas.microsoft.com/office/drawing/2014/main" id="{4A3B83B3-AC8E-5F3D-EAA6-A5B1AC15709B}"/>
+              </a:ext>
+            </a:extLst>
+          </p:cNvPr>
+          <p:cNvSpPr/>
+          <p:nvPr/>
+        </p:nvSpPr>
+        <p:spPr>
+          <a:xfrm>
+            <a:off x="82371" y="3248240"/>
+            <a:ext cx="1101600" cy="360000"/>
+          </a:xfrm>
+          <a:prstGeom prst="roundRect">
+            <a:avLst/>
+          </a:prstGeom>
+          <a:ln/>
+          <a:effectLst>
+            <a:outerShdw blurRad="50800" dist="38100" dir="2700000" algn="tl" rotWithShape="0">
+              <a:prstClr val="black">
+                <a:alpha val="40000"/>
+              </a:prstClr>
+            </a:outerShdw>
+          </a:effectLst>
+        </p:spPr>
+        <p:style>
+          <a:lnRef idx="1">
+            <a:schemeClr val="accent5"/>
+          </a:lnRef>
+          <a:fillRef idx="2">
+            <a:schemeClr val="accent5"/>
+          </a:fillRef>
+          <a:effectRef idx="1">
+            <a:schemeClr val="accent5"/>
+          </a:effectRef>
+          <a:fontRef idx="minor">
+            <a:schemeClr val="dk1"/>
+          </a:fontRef>
+        </p:style>
+        <p:txBody>
+          <a:bodyPr rtlCol="0" anchor="ctr"/>
+          <a:lstStyle/>
+          <a:p>
+            <a:pPr algn="ctr"/>
+            <a:endParaRPr lang="pt-BR" dirty="0"/>
+          </a:p>
+        </p:txBody>
+      </p:sp>
+      <p:sp>
+        <p:nvSpPr>
+          <p:cNvPr id="25" name="Retângulo: Cantos Arredondados 24">
+            <a:extLst>
+              <a:ext uri="{FF2B5EF4-FFF2-40B4-BE49-F238E27FC236}">
+                <a16:creationId xmlns:a16="http://schemas.microsoft.com/office/drawing/2014/main" id="{F867450E-9221-C3C3-0A12-E6D4B9C06503}"/>
+              </a:ext>
+            </a:extLst>
+          </p:cNvPr>
+          <p:cNvSpPr/>
+          <p:nvPr/>
+        </p:nvSpPr>
+        <p:spPr>
+          <a:xfrm>
+            <a:off x="73922" y="3710456"/>
+            <a:ext cx="1101600" cy="360000"/>
+          </a:xfrm>
+          <a:prstGeom prst="roundRect">
+            <a:avLst/>
+          </a:prstGeom>
+          <a:ln/>
+          <a:effectLst>
+            <a:outerShdw blurRad="50800" dist="38100" dir="2700000" algn="tl" rotWithShape="0">
+              <a:prstClr val="black">
+                <a:alpha val="40000"/>
+              </a:prstClr>
+            </a:outerShdw>
+          </a:effectLst>
+        </p:spPr>
+        <p:style>
+          <a:lnRef idx="1">
+            <a:schemeClr val="accent5"/>
+          </a:lnRef>
+          <a:fillRef idx="2">
+            <a:schemeClr val="accent5"/>
+          </a:fillRef>
+          <a:effectRef idx="1">
+            <a:schemeClr val="accent5"/>
+          </a:effectRef>
+          <a:fontRef idx="minor">
+            <a:schemeClr val="dk1"/>
+          </a:fontRef>
+        </p:style>
+        <p:txBody>
+          <a:bodyPr rtlCol="0" anchor="ctr"/>
+          <a:lstStyle/>
+          <a:p>
+            <a:pPr algn="ctr"/>
+            <a:endParaRPr lang="pt-BR" dirty="0"/>
+          </a:p>
+        </p:txBody>
+      </p:sp>
+      <p:sp>
+        <p:nvSpPr>
+          <p:cNvPr id="26" name="Retângulo: Cantos Arredondados 25">
+            <a:extLst>
+              <a:ext uri="{FF2B5EF4-FFF2-40B4-BE49-F238E27FC236}">
+                <a16:creationId xmlns:a16="http://schemas.microsoft.com/office/drawing/2014/main" id="{D6FBD8EE-F5F9-1B6C-D289-D5D8FE312DB2}"/>
+              </a:ext>
+            </a:extLst>
+          </p:cNvPr>
+          <p:cNvSpPr/>
+          <p:nvPr/>
+        </p:nvSpPr>
+        <p:spPr>
+          <a:xfrm>
+            <a:off x="8957309" y="671379"/>
+            <a:ext cx="3333750" cy="666750"/>
+          </a:xfrm>
+          <a:prstGeom prst="roundRect">
+            <a:avLst/>
+          </a:prstGeom>
+          <a:ln/>
+          <a:effectLst>
+            <a:outerShdw blurRad="50800" dist="38100" dir="2700000" algn="tl" rotWithShape="0">
+              <a:prstClr val="black">
+                <a:alpha val="40000"/>
+              </a:prstClr>
+            </a:outerShdw>
+          </a:effectLst>
+        </p:spPr>
+        <p:style>
+          <a:lnRef idx="1">
+            <a:schemeClr val="accent5"/>
+          </a:lnRef>
+          <a:fillRef idx="2">
+            <a:schemeClr val="accent5"/>
+          </a:fillRef>
+          <a:effectRef idx="1">
+            <a:schemeClr val="accent5"/>
+          </a:effectRef>
+          <a:fontRef idx="minor">
+            <a:schemeClr val="dk1"/>
+          </a:fontRef>
+        </p:style>
+        <p:txBody>
+          <a:bodyPr rtlCol="0" anchor="ctr"/>
+          <a:lstStyle/>
+          <a:p>
+            <a:pPr algn="ctr"/>
+            <a:endParaRPr lang="pt-BR" dirty="0"/>
+          </a:p>
+        </p:txBody>
+      </p:sp>
+      <p:sp>
+        <p:nvSpPr>
+          <p:cNvPr id="29" name="Retângulo: Cantos Arredondados 28">
+            <a:extLst>
+              <a:ext uri="{FF2B5EF4-FFF2-40B4-BE49-F238E27FC236}">
+                <a16:creationId xmlns:a16="http://schemas.microsoft.com/office/drawing/2014/main" id="{70BE95E0-04CF-A082-6C8A-9CC6878ABB67}"/>
+              </a:ext>
+            </a:extLst>
+          </p:cNvPr>
+          <p:cNvSpPr/>
+          <p:nvPr/>
+        </p:nvSpPr>
+        <p:spPr>
+          <a:xfrm>
+            <a:off x="49923" y="170529"/>
+            <a:ext cx="1714500" cy="1714500"/>
+          </a:xfrm>
+          <a:prstGeom prst="roundRect">
+            <a:avLst/>
+          </a:prstGeom>
+          <a:solidFill>
+            <a:schemeClr val="bg1"/>
+          </a:solidFill>
+          <a:ln/>
+          <a:effectLst>
+            <a:outerShdw blurRad="50800" dist="38100" dir="2700000" algn="tl" rotWithShape="0">
+              <a:prstClr val="black">
+                <a:alpha val="40000"/>
+              </a:prstClr>
+            </a:outerShdw>
+          </a:effectLst>
+        </p:spPr>
+        <p:style>
+          <a:lnRef idx="1">
+            <a:schemeClr val="accent5"/>
+          </a:lnRef>
+          <a:fillRef idx="2">
+            <a:schemeClr val="accent5"/>
+          </a:fillRef>
+          <a:effectRef idx="1">
+            <a:schemeClr val="accent5"/>
+          </a:effectRef>
+          <a:fontRef idx="minor">
+            <a:schemeClr val="dk1"/>
+          </a:fontRef>
+        </p:style>
+        <p:txBody>
+          <a:bodyPr rtlCol="0" anchor="ctr"/>
+          <a:lstStyle/>
+          <a:p>
+            <a:pPr algn="ctr"/>
+            <a:endParaRPr lang="pt-BR" dirty="0"/>
+          </a:p>
+        </p:txBody>
+      </p:sp>
+      <p:sp>
+        <p:nvSpPr>
+          <p:cNvPr id="31" name="Retângulo: Cantos Arredondados 30">
+            <a:extLst>
+              <a:ext uri="{FF2B5EF4-FFF2-40B4-BE49-F238E27FC236}">
+                <a16:creationId xmlns:a16="http://schemas.microsoft.com/office/drawing/2014/main" id="{60C4EAC3-F4AD-FF14-8840-CF1F8A62E9E7}"/>
+              </a:ext>
+            </a:extLst>
+          </p:cNvPr>
+          <p:cNvSpPr/>
+          <p:nvPr/>
+        </p:nvSpPr>
+        <p:spPr>
+          <a:xfrm>
+            <a:off x="9016268" y="1079599"/>
+            <a:ext cx="752475" cy="360000"/>
+          </a:xfrm>
+          <a:prstGeom prst="roundRect">
+            <a:avLst/>
+          </a:prstGeom>
+          <a:solidFill>
+            <a:schemeClr val="bg1"/>
+          </a:solidFill>
+          <a:ln/>
+          <a:effectLst>
+            <a:outerShdw blurRad="50800" dist="38100" dir="2700000" algn="tl" rotWithShape="0">
+              <a:prstClr val="black">
+                <a:alpha val="40000"/>
+              </a:prstClr>
+            </a:outerShdw>
+          </a:effectLst>
+        </p:spPr>
+        <p:style>
+          <a:lnRef idx="1">
+            <a:schemeClr val="accent5"/>
+          </a:lnRef>
+          <a:fillRef idx="2">
+            <a:schemeClr val="accent5"/>
+          </a:fillRef>
+          <a:effectRef idx="1">
+            <a:schemeClr val="accent5"/>
+          </a:effectRef>
+          <a:fontRef idx="minor">
+            <a:schemeClr val="dk1"/>
+          </a:fontRef>
+        </p:style>
+        <p:txBody>
+          <a:bodyPr rtlCol="0" anchor="ctr"/>
+          <a:lstStyle/>
+          <a:p>
+            <a:pPr algn="ctr"/>
+            <a:endParaRPr lang="pt-BR" dirty="0"/>
+          </a:p>
+        </p:txBody>
+      </p:sp>
+      <p:sp>
+        <p:nvSpPr>
+          <p:cNvPr id="32" name="Retângulo: Cantos Arredondados 31">
+            <a:extLst>
+              <a:ext uri="{FF2B5EF4-FFF2-40B4-BE49-F238E27FC236}">
+                <a16:creationId xmlns:a16="http://schemas.microsoft.com/office/drawing/2014/main" id="{DB1E8EA8-180D-D579-DE5B-AEBEA2C35D4A}"/>
+              </a:ext>
+            </a:extLst>
+          </p:cNvPr>
+          <p:cNvSpPr/>
+          <p:nvPr/>
+        </p:nvSpPr>
+        <p:spPr>
+          <a:xfrm>
+            <a:off x="9871709" y="1074231"/>
+            <a:ext cx="752475" cy="360000"/>
+          </a:xfrm>
+          <a:prstGeom prst="roundRect">
+            <a:avLst/>
+          </a:prstGeom>
+          <a:solidFill>
+            <a:schemeClr val="bg1"/>
+          </a:solidFill>
+          <a:ln/>
+          <a:effectLst>
+            <a:outerShdw blurRad="50800" dist="38100" dir="2700000" algn="tl" rotWithShape="0">
+              <a:prstClr val="black">
+                <a:alpha val="40000"/>
+              </a:prstClr>
+            </a:outerShdw>
+          </a:effectLst>
+        </p:spPr>
+        <p:style>
+          <a:lnRef idx="1">
+            <a:schemeClr val="accent5"/>
+          </a:lnRef>
+          <a:fillRef idx="2">
+            <a:schemeClr val="accent5"/>
+          </a:fillRef>
+          <a:effectRef idx="1">
+            <a:schemeClr val="accent5"/>
+          </a:effectRef>
+          <a:fontRef idx="minor">
+            <a:schemeClr val="dk1"/>
+          </a:fontRef>
+        </p:style>
+        <p:txBody>
+          <a:bodyPr rtlCol="0" anchor="ctr"/>
+          <a:lstStyle/>
+          <a:p>
+            <a:pPr algn="ctr"/>
+            <a:endParaRPr lang="pt-BR" dirty="0"/>
+          </a:p>
+        </p:txBody>
+      </p:sp>
+      <p:sp>
+        <p:nvSpPr>
+          <p:cNvPr id="33" name="Retângulo: Cantos Arredondados 32">
+            <a:extLst>
+              <a:ext uri="{FF2B5EF4-FFF2-40B4-BE49-F238E27FC236}">
+                <a16:creationId xmlns:a16="http://schemas.microsoft.com/office/drawing/2014/main" id="{4086CE42-A459-9692-DFB1-CB33D436FEF9}"/>
+              </a:ext>
+            </a:extLst>
+          </p:cNvPr>
+          <p:cNvSpPr/>
+          <p:nvPr/>
+        </p:nvSpPr>
+        <p:spPr>
+          <a:xfrm>
+            <a:off x="10752994" y="1074231"/>
+            <a:ext cx="752475" cy="360000"/>
+          </a:xfrm>
+          <a:prstGeom prst="roundRect">
+            <a:avLst/>
+          </a:prstGeom>
+          <a:solidFill>
+            <a:schemeClr val="bg1"/>
+          </a:solidFill>
+          <a:ln/>
+          <a:effectLst>
+            <a:outerShdw blurRad="50800" dist="38100" dir="2700000" algn="tl" rotWithShape="0">
+              <a:prstClr val="black">
+                <a:alpha val="40000"/>
+              </a:prstClr>
+            </a:outerShdw>
+          </a:effectLst>
+        </p:spPr>
+        <p:style>
+          <a:lnRef idx="1">
+            <a:schemeClr val="accent5"/>
+          </a:lnRef>
+          <a:fillRef idx="2">
+            <a:schemeClr val="accent5"/>
+          </a:fillRef>
+          <a:effectRef idx="1">
+            <a:schemeClr val="accent5"/>
+          </a:effectRef>
+          <a:fontRef idx="minor">
+            <a:schemeClr val="dk1"/>
+          </a:fontRef>
+        </p:style>
+        <p:txBody>
+          <a:bodyPr rtlCol="0" anchor="ctr"/>
+          <a:lstStyle/>
+          <a:p>
+            <a:pPr algn="ctr"/>
+            <a:endParaRPr lang="pt-BR" dirty="0"/>
+          </a:p>
+        </p:txBody>
+      </p:sp>
+      <p:sp>
+        <p:nvSpPr>
+          <p:cNvPr id="34" name="Retângulo: Cantos Arredondados 33">
+            <a:extLst>
+              <a:ext uri="{FF2B5EF4-FFF2-40B4-BE49-F238E27FC236}">
+                <a16:creationId xmlns:a16="http://schemas.microsoft.com/office/drawing/2014/main" id="{039796B1-0296-B50B-5C87-D02F194F6038}"/>
+              </a:ext>
+            </a:extLst>
+          </p:cNvPr>
+          <p:cNvSpPr/>
+          <p:nvPr/>
+        </p:nvSpPr>
+        <p:spPr>
+          <a:xfrm>
+            <a:off x="11555390" y="1074231"/>
+            <a:ext cx="752475" cy="360000"/>
+          </a:xfrm>
+          <a:prstGeom prst="roundRect">
+            <a:avLst/>
+          </a:prstGeom>
+          <a:solidFill>
+            <a:schemeClr val="bg1"/>
+          </a:solidFill>
+          <a:ln/>
+          <a:effectLst>
+            <a:outerShdw blurRad="50800" dist="38100" dir="2700000" algn="tl" rotWithShape="0">
+              <a:prstClr val="black">
+                <a:alpha val="40000"/>
+              </a:prstClr>
+            </a:outerShdw>
+          </a:effectLst>
+        </p:spPr>
+        <p:style>
+          <a:lnRef idx="1">
+            <a:schemeClr val="accent5"/>
+          </a:lnRef>
+          <a:fillRef idx="2">
+            <a:schemeClr val="accent5"/>
+          </a:fillRef>
+          <a:effectRef idx="1">
+            <a:schemeClr val="accent5"/>
+          </a:effectRef>
+          <a:fontRef idx="minor">
+            <a:schemeClr val="dk1"/>
+          </a:fontRef>
+        </p:style>
+        <p:txBody>
+          <a:bodyPr rtlCol="0" anchor="ctr"/>
+          <a:lstStyle/>
+          <a:p>
+            <a:pPr algn="ctr"/>
+            <a:endParaRPr lang="pt-BR" dirty="0"/>
+          </a:p>
+        </p:txBody>
+      </p:sp>
+      <p:sp>
+        <p:nvSpPr>
+          <p:cNvPr id="35" name="Retângulo: Cantos Arredondados 34">
+            <a:extLst>
+              <a:ext uri="{FF2B5EF4-FFF2-40B4-BE49-F238E27FC236}">
+                <a16:creationId xmlns:a16="http://schemas.microsoft.com/office/drawing/2014/main" id="{07146EC8-CE4F-68EF-0619-71A2A5CEC693}"/>
+              </a:ext>
+            </a:extLst>
+          </p:cNvPr>
+          <p:cNvSpPr/>
+          <p:nvPr/>
+        </p:nvSpPr>
+        <p:spPr>
+          <a:xfrm>
+            <a:off x="8522606" y="1612437"/>
+            <a:ext cx="1866900" cy="360000"/>
+          </a:xfrm>
+          <a:prstGeom prst="roundRect">
+            <a:avLst/>
+          </a:prstGeom>
+          <a:solidFill>
+            <a:schemeClr val="bg1"/>
+          </a:solidFill>
+          <a:ln/>
+          <a:effectLst>
+            <a:outerShdw blurRad="50800" dist="38100" dir="2700000" algn="tl" rotWithShape="0">
+              <a:prstClr val="black">
+                <a:alpha val="40000"/>
+              </a:prstClr>
+            </a:outerShdw>
+          </a:effectLst>
+        </p:spPr>
+        <p:style>
+          <a:lnRef idx="1">
+            <a:schemeClr val="accent5"/>
+          </a:lnRef>
+          <a:fillRef idx="2">
+            <a:schemeClr val="accent5"/>
+          </a:fillRef>
+          <a:effectRef idx="1">
+            <a:schemeClr val="accent5"/>
+          </a:effectRef>
+          <a:fontRef idx="minor">
+            <a:schemeClr val="dk1"/>
+          </a:fontRef>
+        </p:style>
+        <p:txBody>
+          <a:bodyPr rtlCol="0" anchor="ctr"/>
+          <a:lstStyle/>
+          <a:p>
+            <a:pPr algn="ctr"/>
+            <a:endParaRPr lang="pt-BR" dirty="0"/>
+          </a:p>
+        </p:txBody>
+      </p:sp>
+      <p:sp>
+        <p:nvSpPr>
+          <p:cNvPr id="36" name="Retângulo: Cantos Arredondados 35">
+            <a:extLst>
+              <a:ext uri="{FF2B5EF4-FFF2-40B4-BE49-F238E27FC236}">
+                <a16:creationId xmlns:a16="http://schemas.microsoft.com/office/drawing/2014/main" id="{32460F62-6F4F-E0F3-5ECF-AE2EDE8A2A73}"/>
+              </a:ext>
+            </a:extLst>
+          </p:cNvPr>
+          <p:cNvSpPr/>
+          <p:nvPr/>
+        </p:nvSpPr>
+        <p:spPr>
+          <a:xfrm>
+            <a:off x="10474080" y="1602813"/>
+            <a:ext cx="1866900" cy="360000"/>
+          </a:xfrm>
+          <a:prstGeom prst="roundRect">
+            <a:avLst/>
+          </a:prstGeom>
+          <a:solidFill>
+            <a:schemeClr val="bg1"/>
+          </a:solidFill>
+          <a:ln/>
+          <a:effectLst>
+            <a:outerShdw blurRad="50800" dist="38100" dir="2700000" algn="tl" rotWithShape="0">
+              <a:prstClr val="black">
+                <a:alpha val="40000"/>
+              </a:prstClr>
+            </a:outerShdw>
+          </a:effectLst>
+        </p:spPr>
+        <p:style>
+          <a:lnRef idx="1">
+            <a:schemeClr val="accent5"/>
+          </a:lnRef>
+          <a:fillRef idx="2">
+            <a:schemeClr val="accent5"/>
+          </a:fillRef>
+          <a:effectRef idx="1">
+            <a:schemeClr val="accent5"/>
+          </a:effectRef>
+          <a:fontRef idx="minor">
+            <a:schemeClr val="dk1"/>
+          </a:fontRef>
+        </p:style>
+        <p:txBody>
+          <a:bodyPr rtlCol="0" anchor="ctr"/>
+          <a:lstStyle/>
+          <a:p>
+            <a:pPr algn="ctr"/>
+            <a:endParaRPr lang="pt-BR" dirty="0"/>
+          </a:p>
+        </p:txBody>
+      </p:sp>
+      <p:sp>
+        <p:nvSpPr>
+          <p:cNvPr id="42" name="Retângulo: Cantos Arredondados 41">
+            <a:extLst>
+              <a:ext uri="{FF2B5EF4-FFF2-40B4-BE49-F238E27FC236}">
+                <a16:creationId xmlns:a16="http://schemas.microsoft.com/office/drawing/2014/main" id="{266F70BB-A643-902A-4A19-742D686BCC97}"/>
+              </a:ext>
+            </a:extLst>
+          </p:cNvPr>
+          <p:cNvSpPr/>
+          <p:nvPr/>
+        </p:nvSpPr>
+        <p:spPr>
+          <a:xfrm>
+            <a:off x="8171719" y="1074231"/>
+            <a:ext cx="752475" cy="360000"/>
+          </a:xfrm>
+          <a:prstGeom prst="roundRect">
+            <a:avLst/>
+          </a:prstGeom>
+          <a:solidFill>
+            <a:schemeClr val="bg1"/>
+          </a:solidFill>
+          <a:ln/>
+          <a:effectLst>
+            <a:outerShdw blurRad="50800" dist="38100" dir="2700000" algn="tl" rotWithShape="0">
+              <a:prstClr val="black">
+                <a:alpha val="40000"/>
+              </a:prstClr>
+            </a:outerShdw>
+          </a:effectLst>
+        </p:spPr>
+        <p:style>
+          <a:lnRef idx="1">
+            <a:schemeClr val="accent5"/>
+          </a:lnRef>
+          <a:fillRef idx="2">
+            <a:schemeClr val="accent5"/>
+          </a:fillRef>
+          <a:effectRef idx="1">
+            <a:schemeClr val="accent5"/>
+          </a:effectRef>
+          <a:fontRef idx="minor">
+            <a:schemeClr val="dk1"/>
+          </a:fontRef>
+        </p:style>
+        <p:txBody>
+          <a:bodyPr rtlCol="0" anchor="ctr"/>
+          <a:lstStyle/>
+          <a:p>
+            <a:pPr algn="ctr"/>
+            <a:endParaRPr lang="pt-BR" dirty="0"/>
+          </a:p>
+        </p:txBody>
+      </p:sp>
+    </p:spTree>
+    <p:extLst>
+      <p:ext uri="{BB962C8B-B14F-4D97-AF65-F5344CB8AC3E}">
+        <p14:creationId xmlns:p14="http://schemas.microsoft.com/office/powerpoint/2010/main" val="3090787106"/>
+      </p:ext>
+    </p:extLst>
+  </p:cSld>
+  <p:clrMapOvr>
+    <a:masterClrMapping/>
+  </p:clrMapOvr>
+</p:sld>
+</file>
+
+<file path=ppt/slides/slide2.xml><?xml version="1.0" encoding="utf-8"?>
+<p:sld xmlns:a="http://schemas.openxmlformats.org/drawingml/2006/main" xmlns:r="http://schemas.openxmlformats.org/officeDocument/2006/relationships" xmlns:p="http://schemas.openxmlformats.org/presentationml/2006/main">
+  <p:cSld>
+    <p:spTree>
+      <p:nvGrpSpPr>
+        <p:cNvPr id="1" name="">
+          <a:extLst>
+            <a:ext uri="{FF2B5EF4-FFF2-40B4-BE49-F238E27FC236}">
+              <a16:creationId xmlns:a16="http://schemas.microsoft.com/office/drawing/2014/main" id="{BD187849-583A-7C1B-D40E-BDA8DD94A444}"/>
+            </a:ext>
+          </a:extLst>
+        </p:cNvPr>
+        <p:cNvGrpSpPr/>
+        <p:nvPr/>
+      </p:nvGrpSpPr>
+      <p:grpSpPr>
+        <a:xfrm>
+          <a:off x="0" y="0"/>
+          <a:ext cx="0" cy="0"/>
+          <a:chOff x="0" y="0"/>
+          <a:chExt cx="0" cy="0"/>
+        </a:xfrm>
+      </p:grpSpPr>
       <p:pic>
         <p:nvPicPr>
           <p:cNvPr id="5" name="Imagem 4">
             <a:extLst>
               <a:ext uri="{FF2B5EF4-FFF2-40B4-BE49-F238E27FC236}">
-                <a16:creationId xmlns:a16="http://schemas.microsoft.com/office/drawing/2014/main" id="{8CA9A792-7552-AC23-095C-3D73F9DB961F}"/>
+                <a16:creationId xmlns:a16="http://schemas.microsoft.com/office/drawing/2014/main" id="{8FAE31AC-D95B-5D57-9EA8-D85349D75EF2}"/>
               </a:ext>
             </a:extLst>
           </p:cNvPr>
@@ -3006,7 +4162,7 @@
           <p:cNvPr id="7" name="Imagem 6">
             <a:extLst>
               <a:ext uri="{FF2B5EF4-FFF2-40B4-BE49-F238E27FC236}">
-                <a16:creationId xmlns:a16="http://schemas.microsoft.com/office/drawing/2014/main" id="{B08F14AE-A553-46B2-E0CD-273DDA12E238}"/>
+                <a16:creationId xmlns:a16="http://schemas.microsoft.com/office/drawing/2014/main" id="{811F4089-4595-CFD4-5748-DDBE70F643FE}"/>
               </a:ext>
             </a:extLst>
           </p:cNvPr>
@@ -3042,7 +4198,7 @@
           <p:cNvPr id="8" name="Retângulo: Cantos Arredondados 7">
             <a:extLst>
               <a:ext uri="{FF2B5EF4-FFF2-40B4-BE49-F238E27FC236}">
-                <a16:creationId xmlns:a16="http://schemas.microsoft.com/office/drawing/2014/main" id="{A5743FF6-52B8-DF22-7468-C44F801CF777}"/>
+                <a16:creationId xmlns:a16="http://schemas.microsoft.com/office/drawing/2014/main" id="{0FD4D47D-D7F3-110F-4F23-9C34808DA1D3}"/>
               </a:ext>
             </a:extLst>
           </p:cNvPr>
@@ -3094,7 +4250,7 @@
           <p:cNvPr id="9" name="Retângulo: Cantos Arredondados 8">
             <a:extLst>
               <a:ext uri="{FF2B5EF4-FFF2-40B4-BE49-F238E27FC236}">
-                <a16:creationId xmlns:a16="http://schemas.microsoft.com/office/drawing/2014/main" id="{28F78B5F-1A7E-A98F-665E-814ABC9B77B7}"/>
+                <a16:creationId xmlns:a16="http://schemas.microsoft.com/office/drawing/2014/main" id="{0EA71F3D-784D-99D6-A788-F4ECBD3B1588}"/>
               </a:ext>
             </a:extLst>
           </p:cNvPr>
@@ -3146,7 +4302,7 @@
           <p:cNvPr id="10" name="Retângulo: Cantos Arredondados 9">
             <a:extLst>
               <a:ext uri="{FF2B5EF4-FFF2-40B4-BE49-F238E27FC236}">
-                <a16:creationId xmlns:a16="http://schemas.microsoft.com/office/drawing/2014/main" id="{6CE0C088-7327-1534-50D2-BE616463C996}"/>
+                <a16:creationId xmlns:a16="http://schemas.microsoft.com/office/drawing/2014/main" id="{8DD9F12A-122C-7F19-B4CD-8ED61EB3E1A3}"/>
               </a:ext>
             </a:extLst>
           </p:cNvPr>
@@ -3198,7 +4354,7 @@
           <p:cNvPr id="11" name="Retângulo: Cantos Arredondados 10">
             <a:extLst>
               <a:ext uri="{FF2B5EF4-FFF2-40B4-BE49-F238E27FC236}">
-                <a16:creationId xmlns:a16="http://schemas.microsoft.com/office/drawing/2014/main" id="{F11CBFC4-9274-EF5C-1A99-6E2B0EFC4619}"/>
+                <a16:creationId xmlns:a16="http://schemas.microsoft.com/office/drawing/2014/main" id="{40AEE96A-7B60-0424-A811-E4A4AC60AF3F}"/>
               </a:ext>
             </a:extLst>
           </p:cNvPr>
@@ -3250,7 +4406,7 @@
           <p:cNvPr id="12" name="Retângulo: Cantos Arredondados 11">
             <a:extLst>
               <a:ext uri="{FF2B5EF4-FFF2-40B4-BE49-F238E27FC236}">
-                <a16:creationId xmlns:a16="http://schemas.microsoft.com/office/drawing/2014/main" id="{01BD7CC7-7C18-657C-448E-A51AC6B1EE09}"/>
+                <a16:creationId xmlns:a16="http://schemas.microsoft.com/office/drawing/2014/main" id="{E49B5D31-3005-75D9-9909-D2A34ED7D68F}"/>
               </a:ext>
             </a:extLst>
           </p:cNvPr>
@@ -3302,7 +4458,7 @@
           <p:cNvPr id="13" name="Retângulo: Cantos Arredondados 12">
             <a:extLst>
               <a:ext uri="{FF2B5EF4-FFF2-40B4-BE49-F238E27FC236}">
-                <a16:creationId xmlns:a16="http://schemas.microsoft.com/office/drawing/2014/main" id="{EC23B424-7F9A-89C1-CCA1-3E30A950EEA6}"/>
+                <a16:creationId xmlns:a16="http://schemas.microsoft.com/office/drawing/2014/main" id="{CF6FF22E-5461-6B60-6601-720FB2C2F22A}"/>
               </a:ext>
             </a:extLst>
           </p:cNvPr>
@@ -3354,7 +4510,7 @@
           <p:cNvPr id="14" name="Imagem 13">
             <a:extLst>
               <a:ext uri="{FF2B5EF4-FFF2-40B4-BE49-F238E27FC236}">
-                <a16:creationId xmlns:a16="http://schemas.microsoft.com/office/drawing/2014/main" id="{6D61F570-FCFE-2EFB-586D-CAC2F9E79850}"/>
+                <a16:creationId xmlns:a16="http://schemas.microsoft.com/office/drawing/2014/main" id="{96E50AE2-52B3-E972-B080-61B9AAD8A24A}"/>
               </a:ext>
             </a:extLst>
           </p:cNvPr>
@@ -3390,7 +4546,7 @@
           <p:cNvPr id="16" name="Retângulo: Cantos Arredondados 15">
             <a:extLst>
               <a:ext uri="{FF2B5EF4-FFF2-40B4-BE49-F238E27FC236}">
-                <a16:creationId xmlns:a16="http://schemas.microsoft.com/office/drawing/2014/main" id="{61BDC0B3-18EC-877F-F524-3FAB0FC786CA}"/>
+                <a16:creationId xmlns:a16="http://schemas.microsoft.com/office/drawing/2014/main" id="{DC37AD0B-6942-F4C3-AFD4-9B2B380BAE3C}"/>
               </a:ext>
             </a:extLst>
           </p:cNvPr>
@@ -3445,7 +4601,7 @@
           <p:cNvPr id="17" name="Retângulo: Cantos Arredondados 16">
             <a:extLst>
               <a:ext uri="{FF2B5EF4-FFF2-40B4-BE49-F238E27FC236}">
-                <a16:creationId xmlns:a16="http://schemas.microsoft.com/office/drawing/2014/main" id="{21FE3064-08A4-AEF6-2DC6-16DD49893346}"/>
+                <a16:creationId xmlns:a16="http://schemas.microsoft.com/office/drawing/2014/main" id="{EA0F5CF4-A706-DD01-DAC9-AB2CC4C5D2BE}"/>
               </a:ext>
             </a:extLst>
           </p:cNvPr>
@@ -3497,7 +4653,7 @@
           <p:cNvPr id="22" name="Retângulo: Cantos Arredondados 21">
             <a:extLst>
               <a:ext uri="{FF2B5EF4-FFF2-40B4-BE49-F238E27FC236}">
-                <a16:creationId xmlns:a16="http://schemas.microsoft.com/office/drawing/2014/main" id="{D205EFBA-5997-6510-050B-F4D795087F5B}"/>
+                <a16:creationId xmlns:a16="http://schemas.microsoft.com/office/drawing/2014/main" id="{CF0F3445-DE47-5B05-007A-475D8466DB34}"/>
               </a:ext>
             </a:extLst>
           </p:cNvPr>
@@ -3549,7 +4705,7 @@
           <p:cNvPr id="23" name="Retângulo: Cantos Arredondados 22">
             <a:extLst>
               <a:ext uri="{FF2B5EF4-FFF2-40B4-BE49-F238E27FC236}">
-                <a16:creationId xmlns:a16="http://schemas.microsoft.com/office/drawing/2014/main" id="{BA91A2B6-5499-68ED-E2FE-5F3C980353CE}"/>
+                <a16:creationId xmlns:a16="http://schemas.microsoft.com/office/drawing/2014/main" id="{7EB39B6C-C2B4-0934-CC02-1C1083414C62}"/>
               </a:ext>
             </a:extLst>
           </p:cNvPr>
@@ -3601,7 +4757,7 @@
           <p:cNvPr id="24" name="Retângulo: Cantos Arredondados 23">
             <a:extLst>
               <a:ext uri="{FF2B5EF4-FFF2-40B4-BE49-F238E27FC236}">
-                <a16:creationId xmlns:a16="http://schemas.microsoft.com/office/drawing/2014/main" id="{4A3B83B3-AC8E-5F3D-EAA6-A5B1AC15709B}"/>
+                <a16:creationId xmlns:a16="http://schemas.microsoft.com/office/drawing/2014/main" id="{0F10717D-364F-26AC-BF2F-A09500A19C64}"/>
               </a:ext>
             </a:extLst>
           </p:cNvPr>
@@ -3653,7 +4809,7 @@
           <p:cNvPr id="25" name="Retângulo: Cantos Arredondados 24">
             <a:extLst>
               <a:ext uri="{FF2B5EF4-FFF2-40B4-BE49-F238E27FC236}">
-                <a16:creationId xmlns:a16="http://schemas.microsoft.com/office/drawing/2014/main" id="{F867450E-9221-C3C3-0A12-E6D4B9C06503}"/>
+                <a16:creationId xmlns:a16="http://schemas.microsoft.com/office/drawing/2014/main" id="{8FB38AF4-1C5C-FB88-1FE3-680ED72F476C}"/>
               </a:ext>
             </a:extLst>
           </p:cNvPr>
@@ -3705,7 +4861,7 @@
           <p:cNvPr id="26" name="Retângulo: Cantos Arredondados 25">
             <a:extLst>
               <a:ext uri="{FF2B5EF4-FFF2-40B4-BE49-F238E27FC236}">
-                <a16:creationId xmlns:a16="http://schemas.microsoft.com/office/drawing/2014/main" id="{D6FBD8EE-F5F9-1B6C-D289-D5D8FE312DB2}"/>
+                <a16:creationId xmlns:a16="http://schemas.microsoft.com/office/drawing/2014/main" id="{D62236C3-41DA-5C45-B787-79471E091672}"/>
               </a:ext>
             </a:extLst>
           </p:cNvPr>
@@ -3757,7 +4913,7 @@
           <p:cNvPr id="28" name="Retângulo 27">
             <a:extLst>
               <a:ext uri="{FF2B5EF4-FFF2-40B4-BE49-F238E27FC236}">
-                <a16:creationId xmlns:a16="http://schemas.microsoft.com/office/drawing/2014/main" id="{390363D8-7B2C-0AF9-28BB-19623D4EE135}"/>
+                <a16:creationId xmlns:a16="http://schemas.microsoft.com/office/drawing/2014/main" id="{AE1BCB8D-2CA2-AF87-FD6B-68361DED22A8}"/>
               </a:ext>
             </a:extLst>
           </p:cNvPr>
@@ -3773,7 +4929,7 @@
             <a:avLst/>
           </a:prstGeom>
           <a:solidFill>
-            <a:srgbClr val="E6E6E6"/>
+            <a:srgbClr val="0E0C0D"/>
           </a:solidFill>
         </p:spPr>
         <p:style>
@@ -3806,7 +4962,7 @@
           <p:cNvPr id="29" name="Retângulo: Cantos Arredondados 28">
             <a:extLst>
               <a:ext uri="{FF2B5EF4-FFF2-40B4-BE49-F238E27FC236}">
-                <a16:creationId xmlns:a16="http://schemas.microsoft.com/office/drawing/2014/main" id="{70BE95E0-04CF-A082-6C8A-9CC6878ABB67}"/>
+                <a16:creationId xmlns:a16="http://schemas.microsoft.com/office/drawing/2014/main" id="{F45E3683-F6B6-DB2A-829D-422E69FDFEBB}"/>
               </a:ext>
             </a:extLst>
           </p:cNvPr>
@@ -3815,14 +4971,299 @@
         </p:nvSpPr>
         <p:spPr>
           <a:xfrm>
-            <a:off x="49923" y="170529"/>
-            <a:ext cx="1714500" cy="1714500"/>
+            <a:off x="49923" y="170530"/>
+            <a:ext cx="1200150" cy="1666875"/>
+          </a:xfrm>
+          <a:prstGeom prst="roundRect">
+            <a:avLst/>
+          </a:prstGeom>
+          <a:noFill/>
+          <a:ln>
+            <a:solidFill>
+              <a:schemeClr val="bg1"/>
+            </a:solidFill>
+          </a:ln>
+          <a:effectLst>
+            <a:outerShdw blurRad="50800" dist="38100" dir="2700000" algn="tl" rotWithShape="0">
+              <a:prstClr val="black">
+                <a:alpha val="40000"/>
+              </a:prstClr>
+            </a:outerShdw>
+          </a:effectLst>
+        </p:spPr>
+        <p:style>
+          <a:lnRef idx="1">
+            <a:schemeClr val="accent5"/>
+          </a:lnRef>
+          <a:fillRef idx="2">
+            <a:schemeClr val="accent5"/>
+          </a:fillRef>
+          <a:effectRef idx="1">
+            <a:schemeClr val="accent5"/>
+          </a:effectRef>
+          <a:fontRef idx="minor">
+            <a:schemeClr val="dk1"/>
+          </a:fontRef>
+        </p:style>
+        <p:txBody>
+          <a:bodyPr rtlCol="0" anchor="ctr"/>
+          <a:lstStyle/>
+          <a:p>
+            <a:pPr algn="ctr"/>
+            <a:endParaRPr lang="pt-BR" dirty="0"/>
+          </a:p>
+        </p:txBody>
+      </p:sp>
+      <p:sp>
+        <p:nvSpPr>
+          <p:cNvPr id="31" name="Retângulo: Cantos Arredondados 30">
+            <a:extLst>
+              <a:ext uri="{FF2B5EF4-FFF2-40B4-BE49-F238E27FC236}">
+                <a16:creationId xmlns:a16="http://schemas.microsoft.com/office/drawing/2014/main" id="{037780B2-3D3D-1F97-30DE-2FD27D86B534}"/>
+              </a:ext>
+            </a:extLst>
+          </p:cNvPr>
+          <p:cNvSpPr/>
+          <p:nvPr/>
+        </p:nvSpPr>
+        <p:spPr>
+          <a:xfrm>
+            <a:off x="9016268" y="1079599"/>
+            <a:ext cx="752475" cy="360000"/>
+          </a:xfrm>
+          <a:prstGeom prst="roundRect">
+            <a:avLst/>
+          </a:prstGeom>
+          <a:noFill/>
+          <a:ln>
+            <a:solidFill>
+              <a:schemeClr val="bg1"/>
+            </a:solidFill>
+          </a:ln>
+          <a:effectLst>
+            <a:outerShdw blurRad="50800" dist="38100" dir="2700000" algn="tl" rotWithShape="0">
+              <a:prstClr val="black">
+                <a:alpha val="40000"/>
+              </a:prstClr>
+            </a:outerShdw>
+          </a:effectLst>
+        </p:spPr>
+        <p:style>
+          <a:lnRef idx="1">
+            <a:schemeClr val="accent5"/>
+          </a:lnRef>
+          <a:fillRef idx="2">
+            <a:schemeClr val="accent5"/>
+          </a:fillRef>
+          <a:effectRef idx="1">
+            <a:schemeClr val="accent5"/>
+          </a:effectRef>
+          <a:fontRef idx="minor">
+            <a:schemeClr val="dk1"/>
+          </a:fontRef>
+        </p:style>
+        <p:txBody>
+          <a:bodyPr rtlCol="0" anchor="ctr"/>
+          <a:lstStyle/>
+          <a:p>
+            <a:pPr algn="ctr"/>
+            <a:endParaRPr lang="pt-BR" dirty="0"/>
+          </a:p>
+        </p:txBody>
+      </p:sp>
+      <p:sp>
+        <p:nvSpPr>
+          <p:cNvPr id="32" name="Retângulo: Cantos Arredondados 31">
+            <a:extLst>
+              <a:ext uri="{FF2B5EF4-FFF2-40B4-BE49-F238E27FC236}">
+                <a16:creationId xmlns:a16="http://schemas.microsoft.com/office/drawing/2014/main" id="{944F40B1-B867-AD28-2190-7F1F3E6B3E68}"/>
+              </a:ext>
+            </a:extLst>
+          </p:cNvPr>
+          <p:cNvSpPr/>
+          <p:nvPr/>
+        </p:nvSpPr>
+        <p:spPr>
+          <a:xfrm>
+            <a:off x="9871709" y="1074231"/>
+            <a:ext cx="752475" cy="360000"/>
+          </a:xfrm>
+          <a:prstGeom prst="roundRect">
+            <a:avLst/>
+          </a:prstGeom>
+          <a:noFill/>
+          <a:ln>
+            <a:solidFill>
+              <a:schemeClr val="bg1"/>
+            </a:solidFill>
+          </a:ln>
+          <a:effectLst>
+            <a:outerShdw blurRad="50800" dist="38100" dir="2700000" algn="tl" rotWithShape="0">
+              <a:prstClr val="black">
+                <a:alpha val="40000"/>
+              </a:prstClr>
+            </a:outerShdw>
+          </a:effectLst>
+        </p:spPr>
+        <p:style>
+          <a:lnRef idx="1">
+            <a:schemeClr val="accent5"/>
+          </a:lnRef>
+          <a:fillRef idx="2">
+            <a:schemeClr val="accent5"/>
+          </a:fillRef>
+          <a:effectRef idx="1">
+            <a:schemeClr val="accent5"/>
+          </a:effectRef>
+          <a:fontRef idx="minor">
+            <a:schemeClr val="dk1"/>
+          </a:fontRef>
+        </p:style>
+        <p:txBody>
+          <a:bodyPr rtlCol="0" anchor="ctr"/>
+          <a:lstStyle/>
+          <a:p>
+            <a:pPr algn="ctr"/>
+            <a:endParaRPr lang="pt-BR" dirty="0"/>
+          </a:p>
+        </p:txBody>
+      </p:sp>
+      <p:sp>
+        <p:nvSpPr>
+          <p:cNvPr id="33" name="Retângulo: Cantos Arredondados 32">
+            <a:extLst>
+              <a:ext uri="{FF2B5EF4-FFF2-40B4-BE49-F238E27FC236}">
+                <a16:creationId xmlns:a16="http://schemas.microsoft.com/office/drawing/2014/main" id="{6CC7A436-AF62-D912-47BA-CCB47780D289}"/>
+              </a:ext>
+            </a:extLst>
+          </p:cNvPr>
+          <p:cNvSpPr/>
+          <p:nvPr/>
+        </p:nvSpPr>
+        <p:spPr>
+          <a:xfrm>
+            <a:off x="10752994" y="1074231"/>
+            <a:ext cx="752475" cy="360000"/>
+          </a:xfrm>
+          <a:prstGeom prst="roundRect">
+            <a:avLst/>
+          </a:prstGeom>
+          <a:noFill/>
+          <a:ln>
+            <a:solidFill>
+              <a:schemeClr val="bg1"/>
+            </a:solidFill>
+          </a:ln>
+          <a:effectLst>
+            <a:outerShdw blurRad="50800" dist="38100" dir="2700000" algn="tl" rotWithShape="0">
+              <a:prstClr val="black">
+                <a:alpha val="40000"/>
+              </a:prstClr>
+            </a:outerShdw>
+          </a:effectLst>
+        </p:spPr>
+        <p:style>
+          <a:lnRef idx="1">
+            <a:schemeClr val="accent5"/>
+          </a:lnRef>
+          <a:fillRef idx="2">
+            <a:schemeClr val="accent5"/>
+          </a:fillRef>
+          <a:effectRef idx="1">
+            <a:schemeClr val="accent5"/>
+          </a:effectRef>
+          <a:fontRef idx="minor">
+            <a:schemeClr val="dk1"/>
+          </a:fontRef>
+        </p:style>
+        <p:txBody>
+          <a:bodyPr rtlCol="0" anchor="ctr"/>
+          <a:lstStyle/>
+          <a:p>
+            <a:pPr algn="ctr"/>
+            <a:endParaRPr lang="pt-BR" dirty="0"/>
+          </a:p>
+        </p:txBody>
+      </p:sp>
+      <p:sp>
+        <p:nvSpPr>
+          <p:cNvPr id="34" name="Retângulo: Cantos Arredondados 33">
+            <a:extLst>
+              <a:ext uri="{FF2B5EF4-FFF2-40B4-BE49-F238E27FC236}">
+                <a16:creationId xmlns:a16="http://schemas.microsoft.com/office/drawing/2014/main" id="{A26CAC82-0293-A16D-8D8A-F9BC913CEDB9}"/>
+              </a:ext>
+            </a:extLst>
+          </p:cNvPr>
+          <p:cNvSpPr/>
+          <p:nvPr/>
+        </p:nvSpPr>
+        <p:spPr>
+          <a:xfrm>
+            <a:off x="11555390" y="1074231"/>
+            <a:ext cx="752475" cy="360000"/>
+          </a:xfrm>
+          <a:prstGeom prst="roundRect">
+            <a:avLst/>
+          </a:prstGeom>
+          <a:noFill/>
+          <a:ln>
+            <a:solidFill>
+              <a:schemeClr val="bg1"/>
+            </a:solidFill>
+          </a:ln>
+          <a:effectLst>
+            <a:outerShdw blurRad="50800" dist="38100" dir="2700000" algn="tl" rotWithShape="0">
+              <a:prstClr val="black">
+                <a:alpha val="40000"/>
+              </a:prstClr>
+            </a:outerShdw>
+          </a:effectLst>
+        </p:spPr>
+        <p:style>
+          <a:lnRef idx="1">
+            <a:schemeClr val="accent5"/>
+          </a:lnRef>
+          <a:fillRef idx="2">
+            <a:schemeClr val="accent5"/>
+          </a:fillRef>
+          <a:effectRef idx="1">
+            <a:schemeClr val="accent5"/>
+          </a:effectRef>
+          <a:fontRef idx="minor">
+            <a:schemeClr val="dk1"/>
+          </a:fontRef>
+        </p:style>
+        <p:txBody>
+          <a:bodyPr rtlCol="0" anchor="ctr"/>
+          <a:lstStyle/>
+          <a:p>
+            <a:pPr algn="ctr"/>
+            <a:endParaRPr lang="pt-BR" dirty="0"/>
+          </a:p>
+        </p:txBody>
+      </p:sp>
+      <p:sp>
+        <p:nvSpPr>
+          <p:cNvPr id="35" name="Retângulo: Cantos Arredondados 34">
+            <a:extLst>
+              <a:ext uri="{FF2B5EF4-FFF2-40B4-BE49-F238E27FC236}">
+                <a16:creationId xmlns:a16="http://schemas.microsoft.com/office/drawing/2014/main" id="{9583940A-E043-AA99-A7F4-2BAB8044452C}"/>
+              </a:ext>
+            </a:extLst>
+          </p:cNvPr>
+          <p:cNvSpPr/>
+          <p:nvPr/>
+        </p:nvSpPr>
+        <p:spPr>
+          <a:xfrm>
+            <a:off x="8522606" y="1612437"/>
+            <a:ext cx="1866900" cy="360000"/>
           </a:xfrm>
           <a:prstGeom prst="roundRect">
             <a:avLst/>
           </a:prstGeom>
           <a:solidFill>
-            <a:srgbClr val="A1C0E5"/>
+            <a:schemeClr val="bg1"/>
           </a:solidFill>
           <a:ln/>
           <a:effectLst>
@@ -3858,10 +5299,10 @@
       </p:sp>
       <p:sp>
         <p:nvSpPr>
-          <p:cNvPr id="31" name="Retângulo: Cantos Arredondados 30">
+          <p:cNvPr id="36" name="Retângulo: Cantos Arredondados 35">
             <a:extLst>
               <a:ext uri="{FF2B5EF4-FFF2-40B4-BE49-F238E27FC236}">
-                <a16:creationId xmlns:a16="http://schemas.microsoft.com/office/drawing/2014/main" id="{60C4EAC3-F4AD-FF14-8840-CF1F8A62E9E7}"/>
+                <a16:creationId xmlns:a16="http://schemas.microsoft.com/office/drawing/2014/main" id="{2953235D-CF77-BFEF-F662-F200E0106D83}"/>
               </a:ext>
             </a:extLst>
           </p:cNvPr>
@@ -3870,14 +5311,14 @@
         </p:nvSpPr>
         <p:spPr>
           <a:xfrm>
-            <a:off x="9016268" y="1079599"/>
-            <a:ext cx="752475" cy="360000"/>
+            <a:off x="10474080" y="1602813"/>
+            <a:ext cx="1866900" cy="360000"/>
           </a:xfrm>
           <a:prstGeom prst="roundRect">
             <a:avLst/>
           </a:prstGeom>
           <a:solidFill>
-            <a:srgbClr val="A1C0E5"/>
+            <a:schemeClr val="bg1"/>
           </a:solidFill>
           <a:ln/>
           <a:effectLst>
@@ -3913,10 +5354,10 @@
       </p:sp>
       <p:sp>
         <p:nvSpPr>
-          <p:cNvPr id="32" name="Retângulo: Cantos Arredondados 31">
+          <p:cNvPr id="42" name="Retângulo: Cantos Arredondados 41">
             <a:extLst>
               <a:ext uri="{FF2B5EF4-FFF2-40B4-BE49-F238E27FC236}">
-                <a16:creationId xmlns:a16="http://schemas.microsoft.com/office/drawing/2014/main" id="{DB1E8EA8-180D-D579-DE5B-AEBEA2C35D4A}"/>
+                <a16:creationId xmlns:a16="http://schemas.microsoft.com/office/drawing/2014/main" id="{5C320637-7F8F-37B8-515B-29B1E5904F7D}"/>
               </a:ext>
             </a:extLst>
           </p:cNvPr>
@@ -3925,16 +5366,18 @@
         </p:nvSpPr>
         <p:spPr>
           <a:xfrm>
-            <a:off x="9871709" y="1074231"/>
+            <a:off x="8171719" y="1074231"/>
             <a:ext cx="752475" cy="360000"/>
           </a:xfrm>
           <a:prstGeom prst="roundRect">
             <a:avLst/>
           </a:prstGeom>
-          <a:solidFill>
-            <a:srgbClr val="A1C0E5"/>
-          </a:solidFill>
-          <a:ln/>
+          <a:noFill/>
+          <a:ln>
+            <a:solidFill>
+              <a:schemeClr val="bg1"/>
+            </a:solidFill>
+          </a:ln>
           <a:effectLst>
             <a:outerShdw blurRad="50800" dist="38100" dir="2700000" algn="tl" rotWithShape="0">
               <a:prstClr val="black">
@@ -3968,10 +5411,10 @@
       </p:sp>
       <p:sp>
         <p:nvSpPr>
-          <p:cNvPr id="33" name="Retângulo: Cantos Arredondados 32">
+          <p:cNvPr id="2" name="Retângulo: Cantos Arredondados 1">
             <a:extLst>
               <a:ext uri="{FF2B5EF4-FFF2-40B4-BE49-F238E27FC236}">
-                <a16:creationId xmlns:a16="http://schemas.microsoft.com/office/drawing/2014/main" id="{4086CE42-A459-9692-DFB1-CB33D436FEF9}"/>
+                <a16:creationId xmlns:a16="http://schemas.microsoft.com/office/drawing/2014/main" id="{144DD5FE-AEE1-D7C6-67D0-527CBFAFAF15}"/>
               </a:ext>
             </a:extLst>
           </p:cNvPr>
@@ -3980,16 +5423,18 @@
         </p:nvSpPr>
         <p:spPr>
           <a:xfrm>
-            <a:off x="10752994" y="1074231"/>
-            <a:ext cx="752475" cy="360000"/>
+            <a:off x="1421523" y="170530"/>
+            <a:ext cx="1200150" cy="1666875"/>
           </a:xfrm>
           <a:prstGeom prst="roundRect">
             <a:avLst/>
           </a:prstGeom>
-          <a:solidFill>
-            <a:srgbClr val="A1C0E5"/>
-          </a:solidFill>
-          <a:ln/>
+          <a:noFill/>
+          <a:ln>
+            <a:solidFill>
+              <a:schemeClr val="bg1"/>
+            </a:solidFill>
+          </a:ln>
           <a:effectLst>
             <a:outerShdw blurRad="50800" dist="38100" dir="2700000" algn="tl" rotWithShape="0">
               <a:prstClr val="black">
@@ -4023,10 +5468,10 @@
       </p:sp>
       <p:sp>
         <p:nvSpPr>
-          <p:cNvPr id="34" name="Retângulo: Cantos Arredondados 33">
+          <p:cNvPr id="3" name="Retângulo: Cantos Arredondados 2">
             <a:extLst>
               <a:ext uri="{FF2B5EF4-FFF2-40B4-BE49-F238E27FC236}">
-                <a16:creationId xmlns:a16="http://schemas.microsoft.com/office/drawing/2014/main" id="{039796B1-0296-B50B-5C87-D02F194F6038}"/>
+                <a16:creationId xmlns:a16="http://schemas.microsoft.com/office/drawing/2014/main" id="{883E5097-DA72-6274-F269-EFFD30703B08}"/>
               </a:ext>
             </a:extLst>
           </p:cNvPr>
@@ -4035,16 +5480,20 @@
         </p:nvSpPr>
         <p:spPr>
           <a:xfrm>
-            <a:off x="11555390" y="1074231"/>
-            <a:ext cx="752475" cy="360000"/>
+            <a:off x="18165" y="2238183"/>
+            <a:ext cx="12272893" cy="4772025"/>
           </a:xfrm>
           <a:prstGeom prst="roundRect">
-            <a:avLst/>
+            <a:avLst>
+              <a:gd name="adj" fmla="val 3443"/>
+            </a:avLst>
           </a:prstGeom>
-          <a:solidFill>
-            <a:srgbClr val="A1C0E5"/>
-          </a:solidFill>
-          <a:ln/>
+          <a:noFill/>
+          <a:ln>
+            <a:solidFill>
+              <a:schemeClr val="bg1"/>
+            </a:solidFill>
+          </a:ln>
           <a:effectLst>
             <a:outerShdw blurRad="50800" dist="38100" dir="2700000" algn="tl" rotWithShape="0">
               <a:prstClr val="black">
@@ -4078,10 +5527,10 @@
       </p:sp>
       <p:sp>
         <p:nvSpPr>
-          <p:cNvPr id="35" name="Retângulo: Cantos Arredondados 34">
+          <p:cNvPr id="4" name="Retângulo: Cantos Arredondados 3">
             <a:extLst>
               <a:ext uri="{FF2B5EF4-FFF2-40B4-BE49-F238E27FC236}">
-                <a16:creationId xmlns:a16="http://schemas.microsoft.com/office/drawing/2014/main" id="{07146EC8-CE4F-68EF-0619-71A2A5CEC693}"/>
+                <a16:creationId xmlns:a16="http://schemas.microsoft.com/office/drawing/2014/main" id="{9823D320-0648-C0AD-B363-EE32D4CB1651}"/>
               </a:ext>
             </a:extLst>
           </p:cNvPr>
@@ -4090,16 +5539,20 @@
         </p:nvSpPr>
         <p:spPr>
           <a:xfrm>
-            <a:off x="8522606" y="1612437"/>
-            <a:ext cx="1866900" cy="360000"/>
+            <a:off x="1" y="7046129"/>
+            <a:ext cx="12272893" cy="2676525"/>
           </a:xfrm>
           <a:prstGeom prst="roundRect">
-            <a:avLst/>
+            <a:avLst>
+              <a:gd name="adj" fmla="val 3675"/>
+            </a:avLst>
           </a:prstGeom>
-          <a:solidFill>
-            <a:srgbClr val="A1C0E5"/>
-          </a:solidFill>
-          <a:ln/>
+          <a:noFill/>
+          <a:ln>
+            <a:solidFill>
+              <a:schemeClr val="bg1"/>
+            </a:solidFill>
+          </a:ln>
           <a:effectLst>
             <a:outerShdw blurRad="50800" dist="38100" dir="2700000" algn="tl" rotWithShape="0">
               <a:prstClr val="black">
@@ -4131,120 +5584,10 @@
           </a:p>
         </p:txBody>
       </p:sp>
-      <p:sp>
-        <p:nvSpPr>
-          <p:cNvPr id="36" name="Retângulo: Cantos Arredondados 35">
-            <a:extLst>
-              <a:ext uri="{FF2B5EF4-FFF2-40B4-BE49-F238E27FC236}">
-                <a16:creationId xmlns:a16="http://schemas.microsoft.com/office/drawing/2014/main" id="{32460F62-6F4F-E0F3-5ECF-AE2EDE8A2A73}"/>
-              </a:ext>
-            </a:extLst>
-          </p:cNvPr>
-          <p:cNvSpPr/>
-          <p:nvPr/>
-        </p:nvSpPr>
-        <p:spPr>
-          <a:xfrm>
-            <a:off x="10474080" y="1602813"/>
-            <a:ext cx="1866900" cy="360000"/>
-          </a:xfrm>
-          <a:prstGeom prst="roundRect">
-            <a:avLst/>
-          </a:prstGeom>
-          <a:solidFill>
-            <a:srgbClr val="A1C0E5"/>
-          </a:solidFill>
-          <a:ln/>
-          <a:effectLst>
-            <a:outerShdw blurRad="50800" dist="38100" dir="2700000" algn="tl" rotWithShape="0">
-              <a:prstClr val="black">
-                <a:alpha val="40000"/>
-              </a:prstClr>
-            </a:outerShdw>
-          </a:effectLst>
-        </p:spPr>
-        <p:style>
-          <a:lnRef idx="1">
-            <a:schemeClr val="accent5"/>
-          </a:lnRef>
-          <a:fillRef idx="2">
-            <a:schemeClr val="accent5"/>
-          </a:fillRef>
-          <a:effectRef idx="1">
-            <a:schemeClr val="accent5"/>
-          </a:effectRef>
-          <a:fontRef idx="minor">
-            <a:schemeClr val="dk1"/>
-          </a:fontRef>
-        </p:style>
-        <p:txBody>
-          <a:bodyPr rtlCol="0" anchor="ctr"/>
-          <a:lstStyle/>
-          <a:p>
-            <a:pPr algn="ctr"/>
-            <a:endParaRPr lang="pt-BR" dirty="0"/>
-          </a:p>
-        </p:txBody>
-      </p:sp>
-      <p:sp>
-        <p:nvSpPr>
-          <p:cNvPr id="42" name="Retângulo: Cantos Arredondados 41">
-            <a:extLst>
-              <a:ext uri="{FF2B5EF4-FFF2-40B4-BE49-F238E27FC236}">
-                <a16:creationId xmlns:a16="http://schemas.microsoft.com/office/drawing/2014/main" id="{266F70BB-A643-902A-4A19-742D686BCC97}"/>
-              </a:ext>
-            </a:extLst>
-          </p:cNvPr>
-          <p:cNvSpPr/>
-          <p:nvPr/>
-        </p:nvSpPr>
-        <p:spPr>
-          <a:xfrm>
-            <a:off x="8171719" y="1074231"/>
-            <a:ext cx="752475" cy="360000"/>
-          </a:xfrm>
-          <a:prstGeom prst="roundRect">
-            <a:avLst/>
-          </a:prstGeom>
-          <a:solidFill>
-            <a:srgbClr val="A1C0E5"/>
-          </a:solidFill>
-          <a:ln/>
-          <a:effectLst>
-            <a:outerShdw blurRad="50800" dist="38100" dir="2700000" algn="tl" rotWithShape="0">
-              <a:prstClr val="black">
-                <a:alpha val="40000"/>
-              </a:prstClr>
-            </a:outerShdw>
-          </a:effectLst>
-        </p:spPr>
-        <p:style>
-          <a:lnRef idx="1">
-            <a:schemeClr val="accent5"/>
-          </a:lnRef>
-          <a:fillRef idx="2">
-            <a:schemeClr val="accent5"/>
-          </a:fillRef>
-          <a:effectRef idx="1">
-            <a:schemeClr val="accent5"/>
-          </a:effectRef>
-          <a:fontRef idx="minor">
-            <a:schemeClr val="dk1"/>
-          </a:fontRef>
-        </p:style>
-        <p:txBody>
-          <a:bodyPr rtlCol="0" anchor="ctr"/>
-          <a:lstStyle/>
-          <a:p>
-            <a:pPr algn="ctr"/>
-            <a:endParaRPr lang="pt-BR" dirty="0"/>
-          </a:p>
-        </p:txBody>
-      </p:sp>
     </p:spTree>
     <p:extLst>
       <p:ext uri="{BB962C8B-B14F-4D97-AF65-F5344CB8AC3E}">
-        <p14:creationId xmlns:p14="http://schemas.microsoft.com/office/powerpoint/2010/main" val="3090787106"/>
+        <p14:creationId xmlns:p14="http://schemas.microsoft.com/office/powerpoint/2010/main" val="2978700271"/>
       </p:ext>
     </p:extLst>
   </p:cSld>
